--- a/프로젝트 발표회/발표자료.pptx
+++ b/프로젝트 발표회/발표자료.pptx
@@ -7,8 +7,10 @@
   <p:sldIdLst>
     <p:sldId id="256" r:id="rId2"/>
     <p:sldId id="257" r:id="rId3"/>
-    <p:sldId id="258" r:id="rId4"/>
-    <p:sldId id="259" r:id="rId5"/>
+    <p:sldId id="260" r:id="rId4"/>
+    <p:sldId id="258" r:id="rId5"/>
+    <p:sldId id="259" r:id="rId6"/>
+    <p:sldId id="261" r:id="rId7"/>
   </p:sldIdLst>
   <p:sldSz cx="12192000" cy="6858000"/>
   <p:notesSz cx="6858000" cy="9144000"/>
@@ -107,6 +109,11 @@
       </a:defRPr>
     </a:lvl9pPr>
   </p:defaultTextStyle>
+  <p:extLst>
+    <p:ext uri="{EFAFB233-063F-42B5-8137-9DF3F51BA10A}">
+      <p15:sldGuideLst xmlns:p15="http://schemas.microsoft.com/office/powerpoint/2012/main"/>
+    </p:ext>
+  </p:extLst>
 </p:presentation>
 </file>
 
@@ -3416,31 +3423,6 @@
       </p:grpSpPr>
       <p:sp>
         <p:nvSpPr>
-          <p:cNvPr id="2" name="제목 1">
-            <a:extLst>
-              <a:ext uri="{FF2B5EF4-FFF2-40B4-BE49-F238E27FC236}">
-                <a16:creationId xmlns:a16="http://schemas.microsoft.com/office/drawing/2014/main" id="{7ACAC9B7-30D7-6115-D93D-60323C68BBE7}"/>
-              </a:ext>
-            </a:extLst>
-          </p:cNvPr>
-          <p:cNvSpPr>
-            <a:spLocks noGrp="1"/>
-          </p:cNvSpPr>
-          <p:nvPr>
-            <p:ph type="title"/>
-          </p:nvPr>
-        </p:nvSpPr>
-        <p:spPr/>
-        <p:txBody>
-          <a:bodyPr/>
-          <a:lstStyle/>
-          <a:p>
-            <a:endParaRPr lang="ko-KR" altLang="en-US" dirty="0"/>
-          </a:p>
-        </p:txBody>
-      </p:sp>
-      <p:sp>
-        <p:nvSpPr>
           <p:cNvPr id="3" name="내용 개체 틀 2">
             <a:extLst>
               <a:ext uri="{FF2B5EF4-FFF2-40B4-BE49-F238E27FC236}">
@@ -3455,7 +3437,12 @@
             <p:ph idx="1"/>
           </p:nvPr>
         </p:nvSpPr>
-        <p:spPr/>
+        <p:spPr>
+          <a:xfrm>
+            <a:off x="838200" y="356054"/>
+            <a:ext cx="10515600" cy="4351338"/>
+          </a:xfrm>
+        </p:spPr>
         <p:txBody>
           <a:bodyPr/>
           <a:lstStyle/>
@@ -3470,9 +3457,12 @@
             </a:r>
             <a:r>
               <a:rPr lang="ko-KR" altLang="en-US" dirty="0"/>
-              <a:t>성범죄 등 각종 범죄 증가</a:t>
-            </a:r>
-            <a:endParaRPr lang="en-US" altLang="ko-KR" dirty="0"/>
+              <a:t>성범죄 등 각종 범죄가 증가하고 있다</a:t>
+            </a:r>
+            <a:r>
+              <a:rPr lang="en-US" altLang="ko-KR" dirty="0"/>
+              <a:t>.</a:t>
+            </a:r>
           </a:p>
           <a:p>
             <a:r>
@@ -3481,9 +3471,12 @@
             </a:r>
             <a:r>
               <a:rPr lang="ko-KR" altLang="en-US" dirty="0"/>
-              <a:t> 등 안전시설물 위치를 조회 가능</a:t>
-            </a:r>
-            <a:endParaRPr lang="en-US" altLang="ko-KR" dirty="0"/>
+              <a:t> 등 안전시설물 위치를 사람들이 쉽고 빠르게 알도록 하고자 했다</a:t>
+            </a:r>
+            <a:r>
+              <a:rPr lang="en-US" altLang="ko-KR" dirty="0"/>
+              <a:t>.</a:t>
+            </a:r>
           </a:p>
           <a:p>
             <a:r>
@@ -3504,19 +3497,55 @@
             </a:r>
             <a:r>
               <a:rPr lang="ko-KR" altLang="en-US" dirty="0"/>
-              <a:t> 이 지도 활용 가능</a:t>
-            </a:r>
-            <a:endParaRPr lang="en-US" altLang="ko-KR" dirty="0"/>
+              <a:t> 이 지도를 활용할 수 있다</a:t>
+            </a:r>
+            <a:r>
+              <a:rPr lang="en-US" altLang="ko-KR" dirty="0"/>
+              <a:t>.</a:t>
+            </a:r>
           </a:p>
           <a:p>
             <a:r>
               <a:rPr lang="ko-KR" altLang="en-US" dirty="0"/>
-              <a:t>첫 접속 시 현재 위치 표시</a:t>
-            </a:r>
-            <a:endParaRPr lang="en-US" altLang="ko-KR" dirty="0"/>
-          </a:p>
-        </p:txBody>
-      </p:sp>
+              <a:t>첫 접속 시 현재 위치가 표시된다</a:t>
+            </a:r>
+            <a:r>
+              <a:rPr lang="en-US" altLang="ko-KR" dirty="0"/>
+              <a:t>.</a:t>
+            </a:r>
+          </a:p>
+        </p:txBody>
+      </p:sp>
+      <p:pic>
+        <p:nvPicPr>
+          <p:cNvPr id="5" name="그림 4">
+            <a:extLst>
+              <a:ext uri="{FF2B5EF4-FFF2-40B4-BE49-F238E27FC236}">
+                <a16:creationId xmlns:a16="http://schemas.microsoft.com/office/drawing/2014/main" id="{3230041D-2213-B4D7-8D40-50AC8C72B75F}"/>
+              </a:ext>
+            </a:extLst>
+          </p:cNvPr>
+          <p:cNvPicPr>
+            <a:picLocks noChangeAspect="1"/>
+          </p:cNvPicPr>
+          <p:nvPr/>
+        </p:nvPicPr>
+        <p:blipFill>
+          <a:blip r:embed="rId2"/>
+          <a:stretch>
+            <a:fillRect/>
+          </a:stretch>
+        </p:blipFill>
+        <p:spPr>
+          <a:xfrm>
+            <a:off x="6722818" y="2340428"/>
+            <a:ext cx="4794268" cy="4405018"/>
+          </a:xfrm>
+          <a:prstGeom prst="rect">
+            <a:avLst/>
+          </a:prstGeom>
+        </p:spPr>
+      </p:pic>
     </p:spTree>
     <p:extLst>
       <p:ext uri="{BB962C8B-B14F-4D97-AF65-F5344CB8AC3E}">
@@ -3552,7 +3581,7 @@
           <p:cNvPr id="2" name="제목 1">
             <a:extLst>
               <a:ext uri="{FF2B5EF4-FFF2-40B4-BE49-F238E27FC236}">
-                <a16:creationId xmlns:a16="http://schemas.microsoft.com/office/drawing/2014/main" id="{038366BD-FFC0-D033-C6A1-635C10AB32C5}"/>
+                <a16:creationId xmlns:a16="http://schemas.microsoft.com/office/drawing/2014/main" id="{A84963A3-76F5-6010-C5A5-61FABCFDCC19}"/>
               </a:ext>
             </a:extLst>
           </p:cNvPr>
@@ -3568,10 +3597,7 @@
           <a:bodyPr/>
           <a:lstStyle/>
           <a:p>
-            <a:r>
-              <a:rPr lang="ko-KR" altLang="en-US" dirty="0"/>
-              <a:t>시설물 설치 요청</a:t>
-            </a:r>
+            <a:endParaRPr lang="ko-KR" altLang="en-US"/>
           </a:p>
         </p:txBody>
       </p:sp>
@@ -3580,7 +3606,7 @@
           <p:cNvPr id="3" name="내용 개체 틀 2">
             <a:extLst>
               <a:ext uri="{FF2B5EF4-FFF2-40B4-BE49-F238E27FC236}">
-                <a16:creationId xmlns:a16="http://schemas.microsoft.com/office/drawing/2014/main" id="{2FACB31D-36DC-0E10-F668-292A40BD9F75}"/>
+                <a16:creationId xmlns:a16="http://schemas.microsoft.com/office/drawing/2014/main" id="{111810C4-7FE7-41DC-5C95-D97641E60426}"/>
               </a:ext>
             </a:extLst>
           </p:cNvPr>
@@ -3593,8 +3619,8 @@
         </p:nvSpPr>
         <p:spPr>
           <a:xfrm>
-            <a:off x="590106" y="1825625"/>
-            <a:ext cx="11304181" cy="4351338"/>
+            <a:off x="707572" y="1825625"/>
+            <a:ext cx="7207224" cy="4351338"/>
           </a:xfrm>
         </p:spPr>
         <p:txBody>
@@ -3603,7 +3629,7 @@
           <a:p>
             <a:r>
               <a:rPr lang="ko-KR" altLang="en-US" dirty="0"/>
-              <a:t>프로젝트 시작 전에</a:t>
+              <a:t>원하는 시설물 종류를 클릭하면</a:t>
             </a:r>
             <a:r>
               <a:rPr lang="en-US" altLang="ko-KR" dirty="0"/>
@@ -3611,38 +3637,28 @@
             </a:r>
             <a:r>
               <a:rPr lang="ko-KR" altLang="en-US" dirty="0"/>
-              <a:t>봉담읍 주민 대표단체인 </a:t>
+              <a:t>해당하는 종류의 시설물들이 나온다</a:t>
             </a:r>
             <a:r>
               <a:rPr lang="en-US" altLang="ko-KR" dirty="0"/>
-              <a:t>‘</a:t>
+              <a:t>. </a:t>
             </a:r>
             <a:r>
               <a:rPr lang="ko-KR" altLang="en-US" dirty="0"/>
-              <a:t>봉담읍 주민자치회</a:t>
+              <a:t>클릭 시 실제 사진 등 세부정보를 볼 수 있다</a:t>
             </a:r>
             <a:r>
               <a:rPr lang="en-US" altLang="ko-KR" dirty="0"/>
-              <a:t>‘ </a:t>
-            </a:r>
+              <a:t>.</a:t>
+            </a:r>
+          </a:p>
+          <a:p>
+            <a:endParaRPr lang="en-US" altLang="ko-KR" dirty="0"/>
+          </a:p>
+          <a:p>
             <a:r>
               <a:rPr lang="ko-KR" altLang="en-US" dirty="0"/>
-              <a:t>와 협력 약속</a:t>
-            </a:r>
-            <a:endParaRPr lang="en-US" altLang="ko-KR" dirty="0"/>
-          </a:p>
-          <a:p>
-            <a:r>
-              <a:rPr lang="ko-KR" altLang="en-US" dirty="0"/>
-              <a:t>들어온 요청을 단체에서 확인 </a:t>
-            </a:r>
-            <a:r>
-              <a:rPr lang="en-US" altLang="ko-KR" dirty="0"/>
-              <a:t>-&gt; </a:t>
-            </a:r>
-            <a:r>
-              <a:rPr lang="ko-KR" altLang="en-US" dirty="0"/>
-              <a:t>단체가 모아둔 후</a:t>
+              <a:t>이 데이터들은</a:t>
             </a:r>
             <a:r>
               <a:rPr lang="en-US" altLang="ko-KR" dirty="0"/>
@@ -3650,56 +3666,50 @@
             </a:r>
             <a:r>
               <a:rPr lang="ko-KR" altLang="en-US" dirty="0"/>
-              <a:t>나중에</a:t>
-            </a:r>
-            <a:endParaRPr lang="en-US" altLang="ko-KR" dirty="0"/>
-          </a:p>
-          <a:p>
-            <a:r>
-              <a:rPr lang="ko-KR" altLang="en-US" dirty="0"/>
-              <a:t>행정</a:t>
+              <a:t>우리 조와 협력한 주민단체로부터 받았다</a:t>
             </a:r>
             <a:r>
               <a:rPr lang="en-US" altLang="ko-KR" dirty="0"/>
-              <a:t>(</a:t>
-            </a:r>
-            <a:r>
-              <a:rPr lang="ko-KR" altLang="en-US" dirty="0"/>
-              <a:t>화성시</a:t>
-            </a:r>
-            <a:r>
-              <a:rPr lang="en-US" altLang="ko-KR" dirty="0"/>
-              <a:t>) / </a:t>
-            </a:r>
-            <a:r>
-              <a:rPr lang="ko-KR" altLang="en-US" dirty="0"/>
-              <a:t>경찰 등과 협력하여</a:t>
-            </a:r>
-            <a:r>
-              <a:rPr lang="en-US" altLang="ko-KR" dirty="0"/>
-              <a:t>,</a:t>
-            </a:r>
-          </a:p>
-          <a:p>
-            <a:r>
-              <a:rPr lang="ko-KR" altLang="en-US" dirty="0"/>
-              <a:t>실제 안전시설물 설치 등을 할 때</a:t>
-            </a:r>
-            <a:r>
-              <a:rPr lang="en-US" altLang="ko-KR" dirty="0"/>
-              <a:t>, </a:t>
-            </a:r>
-            <a:r>
-              <a:rPr lang="ko-KR" altLang="en-US" dirty="0"/>
-              <a:t>여기로 들어온 데이터를 활용할 계획</a:t>
-            </a:r>
-          </a:p>
-        </p:txBody>
-      </p:sp>
+              <a:t>.</a:t>
+            </a:r>
+            <a:endParaRPr lang="ko-KR" altLang="en-US" dirty="0"/>
+          </a:p>
+        </p:txBody>
+      </p:sp>
+      <p:pic>
+        <p:nvPicPr>
+          <p:cNvPr id="5" name="그림 4">
+            <a:extLst>
+              <a:ext uri="{FF2B5EF4-FFF2-40B4-BE49-F238E27FC236}">
+                <a16:creationId xmlns:a16="http://schemas.microsoft.com/office/drawing/2014/main" id="{0843AE0A-F9CB-7E7A-4D0F-797A84A77330}"/>
+              </a:ext>
+            </a:extLst>
+          </p:cNvPr>
+          <p:cNvPicPr>
+            <a:picLocks noChangeAspect="1"/>
+          </p:cNvPicPr>
+          <p:nvPr/>
+        </p:nvPicPr>
+        <p:blipFill>
+          <a:blip r:embed="rId2"/>
+          <a:stretch>
+            <a:fillRect/>
+          </a:stretch>
+        </p:blipFill>
+        <p:spPr>
+          <a:xfrm>
+            <a:off x="8143395" y="1815001"/>
+            <a:ext cx="3439005" cy="4372585"/>
+          </a:xfrm>
+          <a:prstGeom prst="rect">
+            <a:avLst/>
+          </a:prstGeom>
+        </p:spPr>
+      </p:pic>
     </p:spTree>
     <p:extLst>
       <p:ext uri="{BB962C8B-B14F-4D97-AF65-F5344CB8AC3E}">
-        <p14:creationId xmlns:p14="http://schemas.microsoft.com/office/powerpoint/2010/main" val="1723563688"/>
+        <p14:creationId xmlns:p14="http://schemas.microsoft.com/office/powerpoint/2010/main" val="2715783981"/>
       </p:ext>
     </p:extLst>
   </p:cSld>
@@ -3731,6 +3741,210 @@
           <p:cNvPr id="2" name="제목 1">
             <a:extLst>
               <a:ext uri="{FF2B5EF4-FFF2-40B4-BE49-F238E27FC236}">
+                <a16:creationId xmlns:a16="http://schemas.microsoft.com/office/drawing/2014/main" id="{038366BD-FFC0-D033-C6A1-635C10AB32C5}"/>
+              </a:ext>
+            </a:extLst>
+          </p:cNvPr>
+          <p:cNvSpPr>
+            <a:spLocks noGrp="1"/>
+          </p:cNvSpPr>
+          <p:nvPr>
+            <p:ph type="title"/>
+          </p:nvPr>
+        </p:nvSpPr>
+        <p:spPr/>
+        <p:txBody>
+          <a:bodyPr/>
+          <a:lstStyle/>
+          <a:p>
+            <a:r>
+              <a:rPr lang="ko-KR" altLang="en-US" dirty="0"/>
+              <a:t>시설물 설치 요청</a:t>
+            </a:r>
+          </a:p>
+        </p:txBody>
+      </p:sp>
+      <p:sp>
+        <p:nvSpPr>
+          <p:cNvPr id="3" name="내용 개체 틀 2">
+            <a:extLst>
+              <a:ext uri="{FF2B5EF4-FFF2-40B4-BE49-F238E27FC236}">
+                <a16:creationId xmlns:a16="http://schemas.microsoft.com/office/drawing/2014/main" id="{2FACB31D-36DC-0E10-F668-292A40BD9F75}"/>
+              </a:ext>
+            </a:extLst>
+          </p:cNvPr>
+          <p:cNvSpPr>
+            <a:spLocks noGrp="1"/>
+          </p:cNvSpPr>
+          <p:nvPr>
+            <p:ph idx="1"/>
+          </p:nvPr>
+        </p:nvSpPr>
+        <p:spPr>
+          <a:xfrm>
+            <a:off x="415295" y="1836511"/>
+            <a:ext cx="7160523" cy="4351338"/>
+          </a:xfrm>
+        </p:spPr>
+        <p:txBody>
+          <a:bodyPr/>
+          <a:lstStyle/>
+          <a:p>
+            <a:r>
+              <a:rPr lang="ko-KR" altLang="en-US" dirty="0"/>
+              <a:t>프로젝트 시작 전에</a:t>
+            </a:r>
+            <a:r>
+              <a:rPr lang="en-US" altLang="ko-KR" dirty="0"/>
+              <a:t>, </a:t>
+            </a:r>
+            <a:r>
+              <a:rPr lang="ko-KR" altLang="en-US" dirty="0"/>
+              <a:t>봉담읍 주민 대표단체인 </a:t>
+            </a:r>
+            <a:r>
+              <a:rPr lang="en-US" altLang="ko-KR" dirty="0"/>
+              <a:t>‘</a:t>
+            </a:r>
+            <a:r>
+              <a:rPr lang="ko-KR" altLang="en-US" dirty="0"/>
+              <a:t>봉담읍 주민자치회</a:t>
+            </a:r>
+            <a:r>
+              <a:rPr lang="en-US" altLang="ko-KR" dirty="0"/>
+              <a:t>‘ </a:t>
+            </a:r>
+            <a:r>
+              <a:rPr lang="ko-KR" altLang="en-US" dirty="0"/>
+              <a:t>와 협력 약속</a:t>
+            </a:r>
+            <a:endParaRPr lang="en-US" altLang="ko-KR" dirty="0"/>
+          </a:p>
+          <a:p>
+            <a:r>
+              <a:rPr lang="ko-KR" altLang="en-US" dirty="0"/>
+              <a:t>들어온 요청을 단체에서 확인 </a:t>
+            </a:r>
+            <a:r>
+              <a:rPr lang="en-US" altLang="ko-KR" dirty="0"/>
+              <a:t>-&gt; </a:t>
+            </a:r>
+            <a:r>
+              <a:rPr lang="ko-KR" altLang="en-US" dirty="0"/>
+              <a:t>단체가 모아둔 후</a:t>
+            </a:r>
+            <a:r>
+              <a:rPr lang="en-US" altLang="ko-KR" dirty="0"/>
+              <a:t>,</a:t>
+            </a:r>
+          </a:p>
+          <a:p>
+            <a:r>
+              <a:rPr lang="ko-KR" altLang="en-US" dirty="0"/>
+              <a:t>나중에 행정</a:t>
+            </a:r>
+            <a:r>
+              <a:rPr lang="en-US" altLang="ko-KR" dirty="0"/>
+              <a:t>(</a:t>
+            </a:r>
+            <a:r>
+              <a:rPr lang="ko-KR" altLang="en-US" dirty="0"/>
+              <a:t>화성시</a:t>
+            </a:r>
+            <a:r>
+              <a:rPr lang="en-US" altLang="ko-KR" dirty="0"/>
+              <a:t>) / </a:t>
+            </a:r>
+            <a:r>
+              <a:rPr lang="ko-KR" altLang="en-US" dirty="0"/>
+              <a:t>경찰 등과 협력하여</a:t>
+            </a:r>
+            <a:r>
+              <a:rPr lang="en-US" altLang="ko-KR" dirty="0"/>
+              <a:t>,</a:t>
+            </a:r>
+          </a:p>
+          <a:p>
+            <a:r>
+              <a:rPr lang="ko-KR" altLang="en-US" dirty="0"/>
+              <a:t>실제 안전시설물 설치 등을 할 때</a:t>
+            </a:r>
+            <a:r>
+              <a:rPr lang="en-US" altLang="ko-KR" dirty="0"/>
+              <a:t>, </a:t>
+            </a:r>
+            <a:r>
+              <a:rPr lang="ko-KR" altLang="en-US" dirty="0"/>
+              <a:t>여기로 들어온 데이터를 활용할 계획</a:t>
+            </a:r>
+          </a:p>
+        </p:txBody>
+      </p:sp>
+      <p:pic>
+        <p:nvPicPr>
+          <p:cNvPr id="7" name="그림 6">
+            <a:extLst>
+              <a:ext uri="{FF2B5EF4-FFF2-40B4-BE49-F238E27FC236}">
+                <a16:creationId xmlns:a16="http://schemas.microsoft.com/office/drawing/2014/main" id="{B1B5D99D-3D0D-9EAC-214E-F70A548C9573}"/>
+              </a:ext>
+            </a:extLst>
+          </p:cNvPr>
+          <p:cNvPicPr>
+            <a:picLocks noChangeAspect="1"/>
+          </p:cNvPicPr>
+          <p:nvPr/>
+        </p:nvPicPr>
+        <p:blipFill>
+          <a:blip r:embed="rId2"/>
+          <a:stretch>
+            <a:fillRect/>
+          </a:stretch>
+        </p:blipFill>
+        <p:spPr>
+          <a:xfrm>
+            <a:off x="8662639" y="0"/>
+            <a:ext cx="3529361" cy="6858000"/>
+          </a:xfrm>
+          <a:prstGeom prst="rect">
+            <a:avLst/>
+          </a:prstGeom>
+        </p:spPr>
+      </p:pic>
+    </p:spTree>
+    <p:extLst>
+      <p:ext uri="{BB962C8B-B14F-4D97-AF65-F5344CB8AC3E}">
+        <p14:creationId xmlns:p14="http://schemas.microsoft.com/office/powerpoint/2010/main" val="1723563688"/>
+      </p:ext>
+    </p:extLst>
+  </p:cSld>
+  <p:clrMapOvr>
+    <a:masterClrMapping/>
+  </p:clrMapOvr>
+</p:sld>
+</file>
+
+<file path=ppt/slides/slide5.xml><?xml version="1.0" encoding="utf-8"?>
+<p:sld xmlns:a="http://schemas.openxmlformats.org/drawingml/2006/main" xmlns:r="http://schemas.openxmlformats.org/officeDocument/2006/relationships" xmlns:p="http://schemas.openxmlformats.org/presentationml/2006/main">
+  <p:cSld>
+    <p:spTree>
+      <p:nvGrpSpPr>
+        <p:cNvPr id="1" name=""/>
+        <p:cNvGrpSpPr/>
+        <p:nvPr/>
+      </p:nvGrpSpPr>
+      <p:grpSpPr>
+        <a:xfrm>
+          <a:off x="0" y="0"/>
+          <a:ext cx="0" cy="0"/>
+          <a:chOff x="0" y="0"/>
+          <a:chExt cx="0" cy="0"/>
+        </a:xfrm>
+      </p:grpSpPr>
+      <p:sp>
+        <p:nvSpPr>
+          <p:cNvPr id="2" name="제목 1">
+            <a:extLst>
+              <a:ext uri="{FF2B5EF4-FFF2-40B4-BE49-F238E27FC236}">
                 <a16:creationId xmlns:a16="http://schemas.microsoft.com/office/drawing/2014/main" id="{A70784BA-1132-1792-3FF7-CCD68DCA7FC2}"/>
               </a:ext>
             </a:extLst>
@@ -3770,27 +3984,28 @@
             <p:ph idx="1"/>
           </p:nvPr>
         </p:nvSpPr>
-        <p:spPr/>
+        <p:spPr>
+          <a:xfrm>
+            <a:off x="838200" y="4473705"/>
+            <a:ext cx="10515600" cy="1703257"/>
+          </a:xfrm>
+        </p:spPr>
         <p:txBody>
           <a:bodyPr/>
           <a:lstStyle/>
           <a:p>
             <a:r>
               <a:rPr lang="ko-KR" altLang="en-US" dirty="0"/>
-              <a:t>들어온 요청을 확인 가능 </a:t>
-            </a:r>
-            <a:r>
-              <a:rPr lang="en-US" altLang="ko-KR" dirty="0"/>
-              <a:t>(</a:t>
-            </a:r>
+              <a:t>들어온 요청을 확인 가능</a:t>
+            </a:r>
+            <a:endParaRPr lang="en-US" altLang="ko-KR" dirty="0"/>
+          </a:p>
+          <a:p>
             <a:r>
               <a:rPr lang="ko-KR" altLang="en-US" dirty="0"/>
-              <a:t>삭제 또한 가능</a:t>
-            </a:r>
-            <a:r>
-              <a:rPr lang="en-US" altLang="ko-KR" dirty="0"/>
-              <a:t>)</a:t>
-            </a:r>
+              <a:t>삭제하고자 할 경우 삭제 가능</a:t>
+            </a:r>
+            <a:endParaRPr lang="en-US" altLang="ko-KR" dirty="0"/>
           </a:p>
           <a:p>
             <a:r>
@@ -3800,10 +4015,254 @@
           </a:p>
         </p:txBody>
       </p:sp>
+      <p:pic>
+        <p:nvPicPr>
+          <p:cNvPr id="5" name="그림 4">
+            <a:extLst>
+              <a:ext uri="{FF2B5EF4-FFF2-40B4-BE49-F238E27FC236}">
+                <a16:creationId xmlns:a16="http://schemas.microsoft.com/office/drawing/2014/main" id="{A5365BBC-FEF3-DF16-3D0D-1021F5A7348E}"/>
+              </a:ext>
+            </a:extLst>
+          </p:cNvPr>
+          <p:cNvPicPr>
+            <a:picLocks noChangeAspect="1"/>
+          </p:cNvPicPr>
+          <p:nvPr/>
+        </p:nvPicPr>
+        <p:blipFill>
+          <a:blip r:embed="rId2"/>
+          <a:stretch>
+            <a:fillRect/>
+          </a:stretch>
+        </p:blipFill>
+        <p:spPr>
+          <a:xfrm>
+            <a:off x="327562" y="2050136"/>
+            <a:ext cx="7293429" cy="1703256"/>
+          </a:xfrm>
+          <a:prstGeom prst="rect">
+            <a:avLst/>
+          </a:prstGeom>
+        </p:spPr>
+      </p:pic>
+      <p:pic>
+        <p:nvPicPr>
+          <p:cNvPr id="7" name="그림 6">
+            <a:extLst>
+              <a:ext uri="{FF2B5EF4-FFF2-40B4-BE49-F238E27FC236}">
+                <a16:creationId xmlns:a16="http://schemas.microsoft.com/office/drawing/2014/main" id="{44B69736-AC17-64B7-EC61-F4BDDFC8CA2E}"/>
+              </a:ext>
+            </a:extLst>
+          </p:cNvPr>
+          <p:cNvPicPr>
+            <a:picLocks noChangeAspect="1"/>
+          </p:cNvPicPr>
+          <p:nvPr/>
+        </p:nvPicPr>
+        <p:blipFill>
+          <a:blip r:embed="rId3"/>
+          <a:stretch>
+            <a:fillRect/>
+          </a:stretch>
+        </p:blipFill>
+        <p:spPr>
+          <a:xfrm>
+            <a:off x="7772400" y="5677"/>
+            <a:ext cx="4419600" cy="6861073"/>
+          </a:xfrm>
+          <a:prstGeom prst="rect">
+            <a:avLst/>
+          </a:prstGeom>
+        </p:spPr>
+      </p:pic>
     </p:spTree>
     <p:extLst>
       <p:ext uri="{BB962C8B-B14F-4D97-AF65-F5344CB8AC3E}">
         <p14:creationId xmlns:p14="http://schemas.microsoft.com/office/powerpoint/2010/main" val="2825062005"/>
+      </p:ext>
+    </p:extLst>
+  </p:cSld>
+  <p:clrMapOvr>
+    <a:masterClrMapping/>
+  </p:clrMapOvr>
+</p:sld>
+</file>
+
+<file path=ppt/slides/slide6.xml><?xml version="1.0" encoding="utf-8"?>
+<p:sld xmlns:a="http://schemas.openxmlformats.org/drawingml/2006/main" xmlns:r="http://schemas.openxmlformats.org/officeDocument/2006/relationships" xmlns:p="http://schemas.openxmlformats.org/presentationml/2006/main">
+  <p:cSld>
+    <p:spTree>
+      <p:nvGrpSpPr>
+        <p:cNvPr id="1" name=""/>
+        <p:cNvGrpSpPr/>
+        <p:nvPr/>
+      </p:nvGrpSpPr>
+      <p:grpSpPr>
+        <a:xfrm>
+          <a:off x="0" y="0"/>
+          <a:ext cx="0" cy="0"/>
+          <a:chOff x="0" y="0"/>
+          <a:chExt cx="0" cy="0"/>
+        </a:xfrm>
+      </p:grpSpPr>
+      <p:sp>
+        <p:nvSpPr>
+          <p:cNvPr id="3" name="내용 개체 틀 2">
+            <a:extLst>
+              <a:ext uri="{FF2B5EF4-FFF2-40B4-BE49-F238E27FC236}">
+                <a16:creationId xmlns:a16="http://schemas.microsoft.com/office/drawing/2014/main" id="{4F5DE46A-8968-04A3-598D-418CC14803EA}"/>
+              </a:ext>
+            </a:extLst>
+          </p:cNvPr>
+          <p:cNvSpPr>
+            <a:spLocks noGrp="1"/>
+          </p:cNvSpPr>
+          <p:nvPr>
+            <p:ph idx="1"/>
+          </p:nvPr>
+        </p:nvSpPr>
+        <p:spPr>
+          <a:xfrm>
+            <a:off x="838200" y="849086"/>
+            <a:ext cx="6324600" cy="2090058"/>
+          </a:xfrm>
+        </p:spPr>
+        <p:txBody>
+          <a:bodyPr/>
+          <a:lstStyle/>
+          <a:p>
+            <a:r>
+              <a:rPr lang="ko-KR" altLang="en-US" dirty="0"/>
+              <a:t>지도상에</a:t>
+            </a:r>
+            <a:r>
+              <a:rPr lang="en-US" altLang="ko-KR" dirty="0"/>
+              <a:t>, </a:t>
+            </a:r>
+            <a:r>
+              <a:rPr lang="ko-KR" altLang="en-US" dirty="0"/>
+              <a:t>시설물을 새로 추가하고자 하는 경우</a:t>
+            </a:r>
+            <a:r>
+              <a:rPr lang="en-US" altLang="ko-KR" dirty="0"/>
+              <a:t>,</a:t>
+            </a:r>
+          </a:p>
+          <a:p>
+            <a:r>
+              <a:rPr lang="ko-KR" altLang="en-US" dirty="0"/>
+              <a:t>관리자는 시설물 추가 가능을 통해</a:t>
+            </a:r>
+            <a:r>
+              <a:rPr lang="en-US" altLang="ko-KR" dirty="0"/>
+              <a:t>, </a:t>
+            </a:r>
+            <a:r>
+              <a:rPr lang="ko-KR" altLang="en-US" dirty="0"/>
+              <a:t>지도에 새로운 마커 추가 가능</a:t>
+            </a:r>
+          </a:p>
+        </p:txBody>
+      </p:sp>
+      <p:pic>
+        <p:nvPicPr>
+          <p:cNvPr id="7" name="그림 6">
+            <a:extLst>
+              <a:ext uri="{FF2B5EF4-FFF2-40B4-BE49-F238E27FC236}">
+                <a16:creationId xmlns:a16="http://schemas.microsoft.com/office/drawing/2014/main" id="{FED88D58-BEBB-95EC-0D2A-1EE5F24F4650}"/>
+              </a:ext>
+            </a:extLst>
+          </p:cNvPr>
+          <p:cNvPicPr>
+            <a:picLocks noChangeAspect="1"/>
+          </p:cNvPicPr>
+          <p:nvPr/>
+        </p:nvPicPr>
+        <p:blipFill>
+          <a:blip r:embed="rId2"/>
+          <a:stretch>
+            <a:fillRect/>
+          </a:stretch>
+        </p:blipFill>
+        <p:spPr>
+          <a:xfrm>
+            <a:off x="7340906" y="0"/>
+            <a:ext cx="4672988" cy="6858000"/>
+          </a:xfrm>
+          <a:prstGeom prst="rect">
+            <a:avLst/>
+          </a:prstGeom>
+        </p:spPr>
+      </p:pic>
+      <p:pic>
+        <p:nvPicPr>
+          <p:cNvPr id="9" name="그림 8">
+            <a:extLst>
+              <a:ext uri="{FF2B5EF4-FFF2-40B4-BE49-F238E27FC236}">
+                <a16:creationId xmlns:a16="http://schemas.microsoft.com/office/drawing/2014/main" id="{06D564DC-680F-9A33-C9F5-052B6A37A57E}"/>
+              </a:ext>
+            </a:extLst>
+          </p:cNvPr>
+          <p:cNvPicPr>
+            <a:picLocks noChangeAspect="1"/>
+          </p:cNvPicPr>
+          <p:nvPr/>
+        </p:nvPicPr>
+        <p:blipFill>
+          <a:blip r:embed="rId3"/>
+          <a:stretch>
+            <a:fillRect/>
+          </a:stretch>
+        </p:blipFill>
+        <p:spPr>
+          <a:xfrm>
+            <a:off x="4851095" y="3179048"/>
+            <a:ext cx="2253812" cy="2829866"/>
+          </a:xfrm>
+          <a:prstGeom prst="rect">
+            <a:avLst/>
+          </a:prstGeom>
+        </p:spPr>
+      </p:pic>
+      <p:sp>
+        <p:nvSpPr>
+          <p:cNvPr id="10" name="TextBox 9">
+            <a:extLst>
+              <a:ext uri="{FF2B5EF4-FFF2-40B4-BE49-F238E27FC236}">
+                <a16:creationId xmlns:a16="http://schemas.microsoft.com/office/drawing/2014/main" id="{C77832EB-2C09-1015-5C3B-48F2222E911B}"/>
+              </a:ext>
+            </a:extLst>
+          </p:cNvPr>
+          <p:cNvSpPr txBox="1"/>
+          <p:nvPr/>
+        </p:nvSpPr>
+        <p:spPr>
+          <a:xfrm>
+            <a:off x="5092034" y="6064152"/>
+            <a:ext cx="1420582" cy="369332"/>
+          </a:xfrm>
+          <a:prstGeom prst="rect">
+            <a:avLst/>
+          </a:prstGeom>
+          <a:noFill/>
+        </p:spPr>
+        <p:txBody>
+          <a:bodyPr wrap="none" rtlCol="0">
+            <a:spAutoFit/>
+          </a:bodyPr>
+          <a:lstStyle/>
+          <a:p>
+            <a:r>
+              <a:rPr lang="ko-KR" altLang="en-US" dirty="0"/>
+              <a:t>추가된 모습</a:t>
+            </a:r>
+          </a:p>
+        </p:txBody>
+      </p:sp>
+    </p:spTree>
+    <p:extLst>
+      <p:ext uri="{BB962C8B-B14F-4D97-AF65-F5344CB8AC3E}">
+        <p14:creationId xmlns:p14="http://schemas.microsoft.com/office/powerpoint/2010/main" val="3771834373"/>
       </p:ext>
     </p:extLst>
   </p:cSld>
